--- a/images/Project_images.pptx
+++ b/images/Project_images.pptx
@@ -6,49 +6,50 @@
     <p:sldMasterId id="2147483676" r:id="rId2"/>
   </p:sldMasterIdLst>
   <p:notesMasterIdLst>
-    <p:notesMasterId r:id="rId7"/>
+    <p:notesMasterId r:id="rId8"/>
   </p:notesMasterIdLst>
   <p:sldIdLst>
     <p:sldId id="256" r:id="rId3"/>
     <p:sldId id="272" r:id="rId4"/>
     <p:sldId id="271" r:id="rId5"/>
     <p:sldId id="273" r:id="rId6"/>
+    <p:sldId id="274" r:id="rId7"/>
   </p:sldIdLst>
   <p:sldSz cx="8110538" cy="6083300"/>
   <p:notesSz cx="6858000" cy="9144000"/>
   <p:embeddedFontLst>
     <p:embeddedFont>
       <p:font typeface="Calibri" panose="020F0502020204030204" pitchFamily="34" charset="0"/>
-      <p:regular r:id="rId8"/>
-      <p:bold r:id="rId9"/>
-      <p:italic r:id="rId10"/>
-      <p:boldItalic r:id="rId11"/>
+      <p:regular r:id="rId9"/>
+      <p:bold r:id="rId10"/>
+      <p:italic r:id="rId11"/>
+      <p:boldItalic r:id="rId12"/>
     </p:embeddedFont>
     <p:embeddedFont>
       <p:font typeface="Calibri Light" panose="020F0302020204030204" pitchFamily="34" charset="0"/>
-      <p:regular r:id="rId12"/>
-      <p:italic r:id="rId13"/>
+      <p:regular r:id="rId13"/>
+      <p:italic r:id="rId14"/>
     </p:embeddedFont>
     <p:embeddedFont>
       <p:font typeface="Lora" panose="02000503000000020004" pitchFamily="2" charset="77"/>
-      <p:regular r:id="rId14"/>
-      <p:bold r:id="rId15"/>
-      <p:italic r:id="rId16"/>
-      <p:boldItalic r:id="rId17"/>
+      <p:regular r:id="rId15"/>
+      <p:bold r:id="rId16"/>
+      <p:italic r:id="rId17"/>
+      <p:boldItalic r:id="rId18"/>
     </p:embeddedFont>
     <p:embeddedFont>
       <p:font typeface="Open Sans" panose="020B0606030504020204" pitchFamily="34" charset="0"/>
-      <p:regular r:id="rId18"/>
-      <p:bold r:id="rId19"/>
-      <p:italic r:id="rId20"/>
-      <p:boldItalic r:id="rId21"/>
+      <p:regular r:id="rId19"/>
+      <p:bold r:id="rId20"/>
+      <p:italic r:id="rId21"/>
+      <p:boldItalic r:id="rId22"/>
     </p:embeddedFont>
     <p:embeddedFont>
       <p:font typeface="Quattrocento Sans" panose="020B0502050000020003" pitchFamily="34" charset="0"/>
-      <p:regular r:id="rId22"/>
-      <p:bold r:id="rId23"/>
-      <p:italic r:id="rId24"/>
-      <p:boldItalic r:id="rId25"/>
+      <p:regular r:id="rId23"/>
+      <p:bold r:id="rId24"/>
+      <p:italic r:id="rId25"/>
+      <p:boldItalic r:id="rId26"/>
     </p:embeddedFont>
   </p:embeddedFontLst>
   <p:defaultTextStyle>
@@ -293,6 +294,114 @@
 
 <file path=ppt/changesInfos/changesInfo1.xml><?xml version="1.0" encoding="utf-8"?>
 <pc:chgInfo xmlns:a="http://schemas.openxmlformats.org/drawingml/2006/main" xmlns:r="http://schemas.openxmlformats.org/officeDocument/2006/relationships" xmlns:ac="http://schemas.microsoft.com/office/drawing/2013/main/command" xmlns:pc="http://schemas.microsoft.com/office/powerpoint/2013/main/command">
+  <pc:docChgLst>
+    <pc:chgData name="Ben Naismith" userId="53e857c8874eb5f9" providerId="LiveId" clId="{F793D2E3-66D0-5349-8F43-AA965286546A}"/>
+    <pc:docChg chg="undo custSel addSld delSld modSld">
+      <pc:chgData name="Ben Naismith" userId="53e857c8874eb5f9" providerId="LiveId" clId="{F793D2E3-66D0-5349-8F43-AA965286546A}" dt="2021-10-08T19:13:52.692" v="77" actId="1076"/>
+      <pc:docMkLst>
+        <pc:docMk/>
+      </pc:docMkLst>
+      <pc:sldChg chg="modNotesTx">
+        <pc:chgData name="Ben Naismith" userId="53e857c8874eb5f9" providerId="LiveId" clId="{F793D2E3-66D0-5349-8F43-AA965286546A}" dt="2021-10-08T19:05:56.784" v="12" actId="20577"/>
+        <pc:sldMkLst>
+          <pc:docMk/>
+          <pc:sldMk cId="0" sldId="256"/>
+        </pc:sldMkLst>
+      </pc:sldChg>
+      <pc:sldChg chg="modNotesTx">
+        <pc:chgData name="Ben Naismith" userId="53e857c8874eb5f9" providerId="LiveId" clId="{F793D2E3-66D0-5349-8F43-AA965286546A}" dt="2021-10-08T19:06:11.651" v="27" actId="12"/>
+        <pc:sldMkLst>
+          <pc:docMk/>
+          <pc:sldMk cId="1803767476" sldId="271"/>
+        </pc:sldMkLst>
+      </pc:sldChg>
+      <pc:sldChg chg="modNotesTx">
+        <pc:chgData name="Ben Naismith" userId="53e857c8874eb5f9" providerId="LiveId" clId="{F793D2E3-66D0-5349-8F43-AA965286546A}" dt="2021-10-08T19:06:01.970" v="18" actId="20577"/>
+        <pc:sldMkLst>
+          <pc:docMk/>
+          <pc:sldMk cId="3800325160" sldId="272"/>
+        </pc:sldMkLst>
+      </pc:sldChg>
+      <pc:sldChg chg="addSp delSp modSp add mod setBg modNotesTx">
+        <pc:chgData name="Ben Naismith" userId="53e857c8874eb5f9" providerId="LiveId" clId="{F793D2E3-66D0-5349-8F43-AA965286546A}" dt="2021-10-08T19:13:52.692" v="77" actId="1076"/>
+        <pc:sldMkLst>
+          <pc:docMk/>
+          <pc:sldMk cId="889271467" sldId="273"/>
+        </pc:sldMkLst>
+        <pc:spChg chg="add del mod">
+          <ac:chgData name="Ben Naismith" userId="53e857c8874eb5f9" providerId="LiveId" clId="{F793D2E3-66D0-5349-8F43-AA965286546A}" dt="2021-10-08T19:06:22.798" v="32"/>
+          <ac:spMkLst>
+            <pc:docMk/>
+            <pc:sldMk cId="889271467" sldId="273"/>
+            <ac:spMk id="2" creationId="{C1E68217-0A47-0143-9DDB-79CF0EB3A711}"/>
+          </ac:spMkLst>
+        </pc:spChg>
+        <pc:spChg chg="del">
+          <ac:chgData name="Ben Naismith" userId="53e857c8874eb5f9" providerId="LiveId" clId="{F793D2E3-66D0-5349-8F43-AA965286546A}" dt="2021-10-08T19:06:17.879" v="28" actId="478"/>
+          <ac:spMkLst>
+            <pc:docMk/>
+            <pc:sldMk cId="889271467" sldId="273"/>
+            <ac:spMk id="9" creationId="{C8F1A249-3CF8-9246-B6B3-43CA113B9313}"/>
+          </ac:spMkLst>
+        </pc:spChg>
+        <pc:picChg chg="del">
+          <ac:chgData name="Ben Naismith" userId="53e857c8874eb5f9" providerId="LiveId" clId="{F793D2E3-66D0-5349-8F43-AA965286546A}" dt="2021-10-08T19:06:18.674" v="29" actId="478"/>
+          <ac:picMkLst>
+            <pc:docMk/>
+            <pc:sldMk cId="889271467" sldId="273"/>
+            <ac:picMk id="3" creationId="{4DE536AE-605D-D249-8F4B-7A270D405E07}"/>
+          </ac:picMkLst>
+        </pc:picChg>
+        <pc:picChg chg="add del mod">
+          <ac:chgData name="Ben Naismith" userId="53e857c8874eb5f9" providerId="LiveId" clId="{F793D2E3-66D0-5349-8F43-AA965286546A}" dt="2021-10-08T19:13:52.692" v="77" actId="1076"/>
+          <ac:picMkLst>
+            <pc:docMk/>
+            <pc:sldMk cId="889271467" sldId="273"/>
+            <ac:picMk id="6" creationId="{F788A405-62A1-CF49-A984-EA4B9DD867F1}"/>
+          </ac:picMkLst>
+        </pc:picChg>
+        <pc:picChg chg="add del mod">
+          <ac:chgData name="Ben Naismith" userId="53e857c8874eb5f9" providerId="LiveId" clId="{F793D2E3-66D0-5349-8F43-AA965286546A}" dt="2021-10-08T19:11:52.300" v="53"/>
+          <ac:picMkLst>
+            <pc:docMk/>
+            <pc:sldMk cId="889271467" sldId="273"/>
+            <ac:picMk id="8" creationId="{9B4B3F9B-61BF-024B-BC66-E4F471E452E6}"/>
+          </ac:picMkLst>
+        </pc:picChg>
+        <pc:picChg chg="add del mod">
+          <ac:chgData name="Ben Naismith" userId="53e857c8874eb5f9" providerId="LiveId" clId="{F793D2E3-66D0-5349-8F43-AA965286546A}" dt="2021-10-08T19:12:23.074" v="62" actId="478"/>
+          <ac:picMkLst>
+            <pc:docMk/>
+            <pc:sldMk cId="889271467" sldId="273"/>
+            <ac:picMk id="11" creationId="{77046C08-5F79-6248-9730-6216E57D7E81}"/>
+          </ac:picMkLst>
+        </pc:picChg>
+        <pc:picChg chg="add mod">
+          <ac:chgData name="Ben Naismith" userId="53e857c8874eb5f9" providerId="LiveId" clId="{F793D2E3-66D0-5349-8F43-AA965286546A}" dt="2021-10-08T19:13:48.020" v="75" actId="14100"/>
+          <ac:picMkLst>
+            <pc:docMk/>
+            <pc:sldMk cId="889271467" sldId="273"/>
+            <ac:picMk id="12" creationId="{69BDA9A3-6413-344C-97CF-DCF00FD2AA48}"/>
+          </ac:picMkLst>
+        </pc:picChg>
+        <pc:cxnChg chg="add mod">
+          <ac:chgData name="Ben Naismith" userId="53e857c8874eb5f9" providerId="LiveId" clId="{F793D2E3-66D0-5349-8F43-AA965286546A}" dt="2021-10-08T19:13:41.392" v="74" actId="1076"/>
+          <ac:cxnSpMkLst>
+            <pc:docMk/>
+            <pc:sldMk cId="889271467" sldId="273"/>
+            <ac:cxnSpMk id="14" creationId="{CBFC7B6F-5000-194E-B4BE-789925889900}"/>
+          </ac:cxnSpMkLst>
+        </pc:cxnChg>
+      </pc:sldChg>
+      <pc:sldChg chg="add del">
+        <pc:chgData name="Ben Naismith" userId="53e857c8874eb5f9" providerId="LiveId" clId="{F793D2E3-66D0-5349-8F43-AA965286546A}" dt="2021-10-08T19:06:26.623" v="34"/>
+        <pc:sldMkLst>
+          <pc:docMk/>
+          <pc:sldMk cId="2257506540" sldId="274"/>
+        </pc:sldMkLst>
+      </pc:sldChg>
+    </pc:docChg>
+  </pc:docChgLst>
   <pc:docChgLst>
     <pc:chgData name="Ben Naismith" userId="53e857c8874eb5f9" providerId="LiveId" clId="{E900EA7D-9773-9A47-A3E4-78EBCB8DF913}"/>
     <pc:docChg chg="undo custSel addSld delSld modSld">
@@ -1768,114 +1877,6 @@
       </pc:sldMasterChg>
     </pc:docChg>
   </pc:docChgLst>
-  <pc:docChgLst>
-    <pc:chgData name="Ben Naismith" userId="53e857c8874eb5f9" providerId="LiveId" clId="{F793D2E3-66D0-5349-8F43-AA965286546A}"/>
-    <pc:docChg chg="undo custSel addSld delSld modSld">
-      <pc:chgData name="Ben Naismith" userId="53e857c8874eb5f9" providerId="LiveId" clId="{F793D2E3-66D0-5349-8F43-AA965286546A}" dt="2021-10-08T19:13:52.692" v="77" actId="1076"/>
-      <pc:docMkLst>
-        <pc:docMk/>
-      </pc:docMkLst>
-      <pc:sldChg chg="modNotesTx">
-        <pc:chgData name="Ben Naismith" userId="53e857c8874eb5f9" providerId="LiveId" clId="{F793D2E3-66D0-5349-8F43-AA965286546A}" dt="2021-10-08T19:05:56.784" v="12" actId="20577"/>
-        <pc:sldMkLst>
-          <pc:docMk/>
-          <pc:sldMk cId="0" sldId="256"/>
-        </pc:sldMkLst>
-      </pc:sldChg>
-      <pc:sldChg chg="modNotesTx">
-        <pc:chgData name="Ben Naismith" userId="53e857c8874eb5f9" providerId="LiveId" clId="{F793D2E3-66D0-5349-8F43-AA965286546A}" dt="2021-10-08T19:06:11.651" v="27" actId="12"/>
-        <pc:sldMkLst>
-          <pc:docMk/>
-          <pc:sldMk cId="1803767476" sldId="271"/>
-        </pc:sldMkLst>
-      </pc:sldChg>
-      <pc:sldChg chg="modNotesTx">
-        <pc:chgData name="Ben Naismith" userId="53e857c8874eb5f9" providerId="LiveId" clId="{F793D2E3-66D0-5349-8F43-AA965286546A}" dt="2021-10-08T19:06:01.970" v="18" actId="20577"/>
-        <pc:sldMkLst>
-          <pc:docMk/>
-          <pc:sldMk cId="3800325160" sldId="272"/>
-        </pc:sldMkLst>
-      </pc:sldChg>
-      <pc:sldChg chg="addSp delSp modSp add mod setBg modNotesTx">
-        <pc:chgData name="Ben Naismith" userId="53e857c8874eb5f9" providerId="LiveId" clId="{F793D2E3-66D0-5349-8F43-AA965286546A}" dt="2021-10-08T19:13:52.692" v="77" actId="1076"/>
-        <pc:sldMkLst>
-          <pc:docMk/>
-          <pc:sldMk cId="889271467" sldId="273"/>
-        </pc:sldMkLst>
-        <pc:spChg chg="add del mod">
-          <ac:chgData name="Ben Naismith" userId="53e857c8874eb5f9" providerId="LiveId" clId="{F793D2E3-66D0-5349-8F43-AA965286546A}" dt="2021-10-08T19:06:22.798" v="32"/>
-          <ac:spMkLst>
-            <pc:docMk/>
-            <pc:sldMk cId="889271467" sldId="273"/>
-            <ac:spMk id="2" creationId="{C1E68217-0A47-0143-9DDB-79CF0EB3A711}"/>
-          </ac:spMkLst>
-        </pc:spChg>
-        <pc:spChg chg="del">
-          <ac:chgData name="Ben Naismith" userId="53e857c8874eb5f9" providerId="LiveId" clId="{F793D2E3-66D0-5349-8F43-AA965286546A}" dt="2021-10-08T19:06:17.879" v="28" actId="478"/>
-          <ac:spMkLst>
-            <pc:docMk/>
-            <pc:sldMk cId="889271467" sldId="273"/>
-            <ac:spMk id="9" creationId="{C8F1A249-3CF8-9246-B6B3-43CA113B9313}"/>
-          </ac:spMkLst>
-        </pc:spChg>
-        <pc:picChg chg="del">
-          <ac:chgData name="Ben Naismith" userId="53e857c8874eb5f9" providerId="LiveId" clId="{F793D2E3-66D0-5349-8F43-AA965286546A}" dt="2021-10-08T19:06:18.674" v="29" actId="478"/>
-          <ac:picMkLst>
-            <pc:docMk/>
-            <pc:sldMk cId="889271467" sldId="273"/>
-            <ac:picMk id="3" creationId="{4DE536AE-605D-D249-8F4B-7A270D405E07}"/>
-          </ac:picMkLst>
-        </pc:picChg>
-        <pc:picChg chg="add del mod">
-          <ac:chgData name="Ben Naismith" userId="53e857c8874eb5f9" providerId="LiveId" clId="{F793D2E3-66D0-5349-8F43-AA965286546A}" dt="2021-10-08T19:13:52.692" v="77" actId="1076"/>
-          <ac:picMkLst>
-            <pc:docMk/>
-            <pc:sldMk cId="889271467" sldId="273"/>
-            <ac:picMk id="6" creationId="{F788A405-62A1-CF49-A984-EA4B9DD867F1}"/>
-          </ac:picMkLst>
-        </pc:picChg>
-        <pc:picChg chg="add del mod">
-          <ac:chgData name="Ben Naismith" userId="53e857c8874eb5f9" providerId="LiveId" clId="{F793D2E3-66D0-5349-8F43-AA965286546A}" dt="2021-10-08T19:11:52.300" v="53"/>
-          <ac:picMkLst>
-            <pc:docMk/>
-            <pc:sldMk cId="889271467" sldId="273"/>
-            <ac:picMk id="8" creationId="{9B4B3F9B-61BF-024B-BC66-E4F471E452E6}"/>
-          </ac:picMkLst>
-        </pc:picChg>
-        <pc:picChg chg="add del mod">
-          <ac:chgData name="Ben Naismith" userId="53e857c8874eb5f9" providerId="LiveId" clId="{F793D2E3-66D0-5349-8F43-AA965286546A}" dt="2021-10-08T19:12:23.074" v="62" actId="478"/>
-          <ac:picMkLst>
-            <pc:docMk/>
-            <pc:sldMk cId="889271467" sldId="273"/>
-            <ac:picMk id="11" creationId="{77046C08-5F79-6248-9730-6216E57D7E81}"/>
-          </ac:picMkLst>
-        </pc:picChg>
-        <pc:picChg chg="add mod">
-          <ac:chgData name="Ben Naismith" userId="53e857c8874eb5f9" providerId="LiveId" clId="{F793D2E3-66D0-5349-8F43-AA965286546A}" dt="2021-10-08T19:13:48.020" v="75" actId="14100"/>
-          <ac:picMkLst>
-            <pc:docMk/>
-            <pc:sldMk cId="889271467" sldId="273"/>
-            <ac:picMk id="12" creationId="{69BDA9A3-6413-344C-97CF-DCF00FD2AA48}"/>
-          </ac:picMkLst>
-        </pc:picChg>
-        <pc:cxnChg chg="add mod">
-          <ac:chgData name="Ben Naismith" userId="53e857c8874eb5f9" providerId="LiveId" clId="{F793D2E3-66D0-5349-8F43-AA965286546A}" dt="2021-10-08T19:13:41.392" v="74" actId="1076"/>
-          <ac:cxnSpMkLst>
-            <pc:docMk/>
-            <pc:sldMk cId="889271467" sldId="273"/>
-            <ac:cxnSpMk id="14" creationId="{CBFC7B6F-5000-194E-B4BE-789925889900}"/>
-          </ac:cxnSpMkLst>
-        </pc:cxnChg>
-      </pc:sldChg>
-      <pc:sldChg chg="add del">
-        <pc:chgData name="Ben Naismith" userId="53e857c8874eb5f9" providerId="LiveId" clId="{F793D2E3-66D0-5349-8F43-AA965286546A}" dt="2021-10-08T19:06:26.623" v="34"/>
-        <pc:sldMkLst>
-          <pc:docMk/>
-          <pc:sldMk cId="2257506540" sldId="274"/>
-        </pc:sldMkLst>
-      </pc:sldChg>
-    </pc:docChg>
-  </pc:docChgLst>
 </pc:chgInfo>
 </file>
 
@@ -2783,6 +2784,115 @@
 </p:notes>
 </file>
 
+<file path=ppt/notesSlides/notesSlide5.xml><?xml version="1.0" encoding="utf-8"?>
+<p:notes xmlns:a="http://schemas.openxmlformats.org/drawingml/2006/main" xmlns:r="http://schemas.openxmlformats.org/officeDocument/2006/relationships" xmlns:p="http://schemas.openxmlformats.org/presentationml/2006/main" showMasterSp="0" showMasterPhAnim="0">
+  <p:cSld>
+    <p:spTree>
+      <p:nvGrpSpPr>
+        <p:cNvPr id="1" name="Shape 67"/>
+        <p:cNvGrpSpPr/>
+        <p:nvPr/>
+      </p:nvGrpSpPr>
+      <p:grpSpPr>
+        <a:xfrm>
+          <a:off x="0" y="0"/>
+          <a:ext cx="0" cy="0"/>
+          <a:chOff x="0" y="0"/>
+          <a:chExt cx="0" cy="0"/>
+        </a:xfrm>
+      </p:grpSpPr>
+      <p:sp>
+        <p:nvSpPr>
+          <p:cNvPr id="68" name="Google Shape;68;g35f391192_00:notes"/>
+          <p:cNvSpPr>
+            <a:spLocks noGrp="1" noRot="1" noChangeAspect="1"/>
+          </p:cNvSpPr>
+          <p:nvPr>
+            <p:ph type="sldImg" idx="2"/>
+          </p:nvPr>
+        </p:nvSpPr>
+        <p:spPr>
+          <a:xfrm>
+            <a:off x="1143000" y="685800"/>
+            <a:ext cx="4572000" cy="3429000"/>
+          </a:xfrm>
+          <a:custGeom>
+            <a:avLst/>
+            <a:gdLst/>
+            <a:ahLst/>
+            <a:cxnLst/>
+            <a:rect l="l" t="t" r="r" b="b"/>
+            <a:pathLst>
+              <a:path w="120000" h="120000" extrusionOk="0">
+                <a:moveTo>
+                  <a:pt x="0" y="0"/>
+                </a:moveTo>
+                <a:lnTo>
+                  <a:pt x="120000" y="0"/>
+                </a:lnTo>
+                <a:lnTo>
+                  <a:pt x="120000" y="120000"/>
+                </a:lnTo>
+                <a:lnTo>
+                  <a:pt x="0" y="120000"/>
+                </a:lnTo>
+                <a:close/>
+              </a:path>
+            </a:pathLst>
+          </a:custGeom>
+        </p:spPr>
+      </p:sp>
+      <p:sp>
+        <p:nvSpPr>
+          <p:cNvPr id="69" name="Google Shape;69;g35f391192_00:notes"/>
+          <p:cNvSpPr txBox="1">
+            <a:spLocks noGrp="1"/>
+          </p:cNvSpPr>
+          <p:nvPr>
+            <p:ph type="body" idx="1"/>
+          </p:nvPr>
+        </p:nvSpPr>
+        <p:spPr>
+          <a:xfrm>
+            <a:off x="685800" y="4343400"/>
+            <a:ext cx="5486400" cy="4114800"/>
+          </a:xfrm>
+          <a:prstGeom prst="rect">
+            <a:avLst/>
+          </a:prstGeom>
+        </p:spPr>
+        <p:txBody>
+          <a:bodyPr spcFirstLastPara="1" wrap="square" lIns="91425" tIns="91425" rIns="91425" bIns="91425" anchor="t" anchorCtr="0">
+            <a:noAutofit/>
+          </a:bodyPr>
+          <a:lstStyle/>
+          <a:p>
+            <a:pPr marL="0" lvl="0" indent="0" algn="l" rtl="0">
+              <a:spcBef>
+                <a:spcPts val="0"/>
+              </a:spcBef>
+              <a:spcAft>
+                <a:spcPts val="0"/>
+              </a:spcAft>
+              <a:buNone/>
+            </a:pPr>
+            <a:endParaRPr dirty="0"/>
+          </a:p>
+        </p:txBody>
+      </p:sp>
+    </p:spTree>
+    <p:extLst>
+      <p:ext uri="{BB962C8B-B14F-4D97-AF65-F5344CB8AC3E}">
+        <p14:creationId xmlns:p14="http://schemas.microsoft.com/office/powerpoint/2010/main" val="168108879"/>
+      </p:ext>
+    </p:extLst>
+  </p:cSld>
+  <p:clrMapOvr>
+    <a:masterClrMapping/>
+  </p:clrMapOvr>
+</p:notes>
+</file>
+
 <file path=ppt/slideLayouts/slideLayout1.xml><?xml version="1.0" encoding="utf-8"?>
 <p:sldLayout xmlns:a="http://schemas.openxmlformats.org/drawingml/2006/main" xmlns:r="http://schemas.openxmlformats.org/officeDocument/2006/relationships" xmlns:p="http://schemas.openxmlformats.org/presentationml/2006/main" matchingName="Title" type="title">
   <p:cSld name="TITLE">
@@ -4911,7 +5021,7 @@
           <a:p>
             <a:fld id="{A6C26028-E5F2-45BF-995A-B79123FF4C00}" type="datetime1">
               <a:rPr lang="en-US" smtClean="0"/>
-              <a:t>10/8/21</a:t>
+              <a:t>5/4/22</a:t>
             </a:fld>
             <a:endParaRPr lang="en-US"/>
           </a:p>
@@ -5085,7 +5195,7 @@
           <a:p>
             <a:fld id="{A6C26028-E5F2-45BF-995A-B79123FF4C00}" type="datetime1">
               <a:rPr lang="en-US" smtClean="0"/>
-              <a:t>10/8/21</a:t>
+              <a:t>5/4/22</a:t>
             </a:fld>
             <a:endParaRPr lang="en-US"/>
           </a:p>
@@ -5269,7 +5379,7 @@
           <a:p>
             <a:fld id="{A6C26028-E5F2-45BF-995A-B79123FF4C00}" type="datetime1">
               <a:rPr lang="en-US" smtClean="0"/>
-              <a:t>10/8/21</a:t>
+              <a:t>5/4/22</a:t>
             </a:fld>
             <a:endParaRPr lang="en-US"/>
           </a:p>
@@ -5502,7 +5612,7 @@
           <a:p>
             <a:fld id="{3458C920-891B-44A7-8ADA-6FD6881BCD8C}" type="datetime1">
               <a:rPr lang="en-US" smtClean="0"/>
-              <a:t>10/8/21</a:t>
+              <a:t>5/4/22</a:t>
             </a:fld>
             <a:endParaRPr lang="en-US"/>
           </a:p>
@@ -7857,7 +7967,7 @@
           <a:p>
             <a:fld id="{73F10392-F449-407B-BED8-B070C1FBD546}" type="datetime1">
               <a:rPr lang="en-US" smtClean="0"/>
-              <a:t>10/8/21</a:t>
+              <a:t>5/4/22</a:t>
             </a:fld>
             <a:endParaRPr lang="en-US"/>
           </a:p>
@@ -8030,7 +8140,7 @@
           <a:p>
             <a:fld id="{A6C26028-E5F2-45BF-995A-B79123FF4C00}" type="datetime1">
               <a:rPr lang="en-US" smtClean="0"/>
-              <a:t>10/8/21</a:t>
+              <a:t>5/4/22</a:t>
             </a:fld>
             <a:endParaRPr lang="en-US"/>
           </a:p>
@@ -8278,7 +8388,7 @@
           <a:p>
             <a:fld id="{A6C26028-E5F2-45BF-995A-B79123FF4C00}" type="datetime1">
               <a:rPr lang="en-US" smtClean="0"/>
-              <a:t>10/8/21</a:t>
+              <a:t>5/4/22</a:t>
             </a:fld>
             <a:endParaRPr lang="en-US"/>
           </a:p>
@@ -8514,7 +8624,7 @@
           <a:p>
             <a:fld id="{A6C26028-E5F2-45BF-995A-B79123FF4C00}" type="datetime1">
               <a:rPr lang="en-US" smtClean="0"/>
-              <a:t>10/8/21</a:t>
+              <a:t>5/4/22</a:t>
             </a:fld>
             <a:endParaRPr lang="en-US"/>
           </a:p>
@@ -8885,7 +8995,7 @@
           <a:p>
             <a:fld id="{A6C26028-E5F2-45BF-995A-B79123FF4C00}" type="datetime1">
               <a:rPr lang="en-US" smtClean="0"/>
-              <a:t>10/8/21</a:t>
+              <a:t>5/4/22</a:t>
             </a:fld>
             <a:endParaRPr lang="en-US"/>
           </a:p>
@@ -9434,7 +9544,7 @@
           <a:p>
             <a:fld id="{903E6B65-0E44-4B7F-9597-EA02CFAC016D}" type="datetime1">
               <a:rPr lang="en-US" smtClean="0"/>
-              <a:t>10/8/21</a:t>
+              <a:t>5/4/22</a:t>
             </a:fld>
             <a:endParaRPr lang="en-US"/>
           </a:p>
@@ -9714,7 +9824,7 @@
           <a:p>
             <a:fld id="{A6C26028-E5F2-45BF-995A-B79123FF4C00}" type="datetime1">
               <a:rPr lang="en-US" smtClean="0"/>
-              <a:t>10/8/21</a:t>
+              <a:t>5/4/22</a:t>
             </a:fld>
             <a:endParaRPr lang="en-US"/>
           </a:p>
@@ -11206,7 +11316,7 @@
           <a:p>
             <a:fld id="{C764DE79-268F-4C1A-8933-263129D2AF90}" type="datetimeFigureOut">
               <a:rPr lang="en-US" dirty="0"/>
-              <a:t>10/8/21</a:t>
+              <a:t>5/4/22</a:t>
             </a:fld>
             <a:endParaRPr lang="en-US" dirty="0"/>
           </a:p>
@@ -12691,6 +12801,154 @@
     <p:extLst>
       <p:ext uri="{BB962C8B-B14F-4D97-AF65-F5344CB8AC3E}">
         <p14:creationId xmlns:p14="http://schemas.microsoft.com/office/powerpoint/2010/main" val="889271467"/>
+      </p:ext>
+    </p:extLst>
+  </p:cSld>
+  <p:clrMapOvr>
+    <a:masterClrMapping/>
+  </p:clrMapOvr>
+</p:sld>
+</file>
+
+<file path=ppt/slides/slide5.xml><?xml version="1.0" encoding="utf-8"?>
+<p:sld xmlns:a="http://schemas.openxmlformats.org/drawingml/2006/main" xmlns:r="http://schemas.openxmlformats.org/officeDocument/2006/relationships" xmlns:p="http://schemas.openxmlformats.org/presentationml/2006/main" showMasterSp="0">
+  <p:cSld>
+    <p:spTree>
+      <p:nvGrpSpPr>
+        <p:cNvPr id="1" name="Shape 70"/>
+        <p:cNvGrpSpPr/>
+        <p:nvPr/>
+      </p:nvGrpSpPr>
+      <p:grpSpPr>
+        <a:xfrm>
+          <a:off x="0" y="0"/>
+          <a:ext cx="0" cy="0"/>
+          <a:chOff x="0" y="0"/>
+          <a:chExt cx="0" cy="0"/>
+        </a:xfrm>
+      </p:grpSpPr>
+      <p:sp>
+        <p:nvSpPr>
+          <p:cNvPr id="9" name="Rectangle 8">
+            <a:extLst>
+              <a:ext uri="{FF2B5EF4-FFF2-40B4-BE49-F238E27FC236}">
+                <a16:creationId xmlns:a16="http://schemas.microsoft.com/office/drawing/2014/main" id="{C8F1A249-3CF8-9246-B6B3-43CA113B9313}"/>
+              </a:ext>
+            </a:extLst>
+          </p:cNvPr>
+          <p:cNvSpPr/>
+          <p:nvPr/>
+        </p:nvSpPr>
+        <p:spPr>
+          <a:xfrm>
+            <a:off x="1482762" y="3273434"/>
+            <a:ext cx="5145014" cy="1125180"/>
+          </a:xfrm>
+          <a:prstGeom prst="rect">
+            <a:avLst/>
+          </a:prstGeom>
+        </p:spPr>
+        <p:txBody>
+          <a:bodyPr wrap="square">
+            <a:spAutoFit/>
+          </a:bodyPr>
+          <a:lstStyle/>
+          <a:p>
+            <a:pPr algn="ctr"/>
+            <a:r>
+              <a:rPr lang="en-CA" sz="1678" dirty="0">
+                <a:solidFill>
+                  <a:srgbClr val="002D50"/>
+                </a:solidFill>
+                <a:latin typeface="Sackers Gothic Std"/>
+              </a:rPr>
+              <a:t>Dissertation</a:t>
+            </a:r>
+          </a:p>
+          <a:p>
+            <a:pPr algn="ctr"/>
+            <a:endParaRPr lang="en-CA" sz="1678" dirty="0">
+              <a:solidFill>
+                <a:srgbClr val="002D50"/>
+              </a:solidFill>
+              <a:latin typeface="Sackers Gothic Std"/>
+            </a:endParaRPr>
+          </a:p>
+          <a:p>
+            <a:pPr algn="ctr"/>
+            <a:r>
+              <a:rPr lang="en-CA" sz="1678" dirty="0">
+                <a:solidFill>
+                  <a:srgbClr val="002D50"/>
+                </a:solidFill>
+                <a:latin typeface="Sackers Gothic Std"/>
+              </a:rPr>
+              <a:t>(WAITING FOR LINK)</a:t>
+            </a:r>
+          </a:p>
+          <a:p>
+            <a:pPr algn="ctr"/>
+            <a:endParaRPr lang="en-CA" sz="1678" dirty="0">
+              <a:solidFill>
+                <a:srgbClr val="002D50"/>
+              </a:solidFill>
+              <a:latin typeface="Sackers Gothic Std"/>
+            </a:endParaRPr>
+          </a:p>
+        </p:txBody>
+      </p:sp>
+      <p:sp>
+        <p:nvSpPr>
+          <p:cNvPr id="4" name="Rectangle 3">
+            <a:extLst>
+              <a:ext uri="{FF2B5EF4-FFF2-40B4-BE49-F238E27FC236}">
+                <a16:creationId xmlns:a16="http://schemas.microsoft.com/office/drawing/2014/main" id="{82556987-5DB6-6C47-A306-F2A312615919}"/>
+              </a:ext>
+            </a:extLst>
+          </p:cNvPr>
+          <p:cNvSpPr/>
+          <p:nvPr/>
+        </p:nvSpPr>
+        <p:spPr>
+          <a:xfrm>
+            <a:off x="0" y="0"/>
+            <a:ext cx="8110538" cy="6083300"/>
+          </a:xfrm>
+          <a:prstGeom prst="rect">
+            <a:avLst/>
+          </a:prstGeom>
+          <a:noFill/>
+          <a:ln w="76200"/>
+        </p:spPr>
+        <p:style>
+          <a:lnRef idx="2">
+            <a:schemeClr val="accent1">
+              <a:shade val="50000"/>
+            </a:schemeClr>
+          </a:lnRef>
+          <a:fillRef idx="1">
+            <a:schemeClr val="accent1"/>
+          </a:fillRef>
+          <a:effectRef idx="0">
+            <a:schemeClr val="accent1"/>
+          </a:effectRef>
+          <a:fontRef idx="minor">
+            <a:schemeClr val="lt1"/>
+          </a:fontRef>
+        </p:style>
+        <p:txBody>
+          <a:bodyPr rtlCol="0" anchor="ctr"/>
+          <a:lstStyle/>
+          <a:p>
+            <a:pPr algn="ctr"/>
+            <a:endParaRPr lang="en-US"/>
+          </a:p>
+        </p:txBody>
+      </p:sp>
+    </p:spTree>
+    <p:extLst>
+      <p:ext uri="{BB962C8B-B14F-4D97-AF65-F5344CB8AC3E}">
+        <p14:creationId xmlns:p14="http://schemas.microsoft.com/office/powerpoint/2010/main" val="4071913223"/>
       </p:ext>
     </p:extLst>
   </p:cSld>

--- a/images/Project_images.pptx
+++ b/images/Project_images.pptx
@@ -5021,7 +5021,7 @@
           <a:p>
             <a:fld id="{A6C26028-E5F2-45BF-995A-B79123FF4C00}" type="datetime1">
               <a:rPr lang="en-US" smtClean="0"/>
-              <a:t>5/4/22</a:t>
+              <a:t>7/4/22</a:t>
             </a:fld>
             <a:endParaRPr lang="en-US"/>
           </a:p>
@@ -5195,7 +5195,7 @@
           <a:p>
             <a:fld id="{A6C26028-E5F2-45BF-995A-B79123FF4C00}" type="datetime1">
               <a:rPr lang="en-US" smtClean="0"/>
-              <a:t>5/4/22</a:t>
+              <a:t>7/4/22</a:t>
             </a:fld>
             <a:endParaRPr lang="en-US"/>
           </a:p>
@@ -5379,7 +5379,7 @@
           <a:p>
             <a:fld id="{A6C26028-E5F2-45BF-995A-B79123FF4C00}" type="datetime1">
               <a:rPr lang="en-US" smtClean="0"/>
-              <a:t>5/4/22</a:t>
+              <a:t>7/4/22</a:t>
             </a:fld>
             <a:endParaRPr lang="en-US"/>
           </a:p>
@@ -5612,7 +5612,7 @@
           <a:p>
             <a:fld id="{3458C920-891B-44A7-8ADA-6FD6881BCD8C}" type="datetime1">
               <a:rPr lang="en-US" smtClean="0"/>
-              <a:t>5/4/22</a:t>
+              <a:t>7/4/22</a:t>
             </a:fld>
             <a:endParaRPr lang="en-US"/>
           </a:p>
@@ -7967,7 +7967,7 @@
           <a:p>
             <a:fld id="{73F10392-F449-407B-BED8-B070C1FBD546}" type="datetime1">
               <a:rPr lang="en-US" smtClean="0"/>
-              <a:t>5/4/22</a:t>
+              <a:t>7/4/22</a:t>
             </a:fld>
             <a:endParaRPr lang="en-US"/>
           </a:p>
@@ -8140,7 +8140,7 @@
           <a:p>
             <a:fld id="{A6C26028-E5F2-45BF-995A-B79123FF4C00}" type="datetime1">
               <a:rPr lang="en-US" smtClean="0"/>
-              <a:t>5/4/22</a:t>
+              <a:t>7/4/22</a:t>
             </a:fld>
             <a:endParaRPr lang="en-US"/>
           </a:p>
@@ -8388,7 +8388,7 @@
           <a:p>
             <a:fld id="{A6C26028-E5F2-45BF-995A-B79123FF4C00}" type="datetime1">
               <a:rPr lang="en-US" smtClean="0"/>
-              <a:t>5/4/22</a:t>
+              <a:t>7/4/22</a:t>
             </a:fld>
             <a:endParaRPr lang="en-US"/>
           </a:p>
@@ -8624,7 +8624,7 @@
           <a:p>
             <a:fld id="{A6C26028-E5F2-45BF-995A-B79123FF4C00}" type="datetime1">
               <a:rPr lang="en-US" smtClean="0"/>
-              <a:t>5/4/22</a:t>
+              <a:t>7/4/22</a:t>
             </a:fld>
             <a:endParaRPr lang="en-US"/>
           </a:p>
@@ -8995,7 +8995,7 @@
           <a:p>
             <a:fld id="{A6C26028-E5F2-45BF-995A-B79123FF4C00}" type="datetime1">
               <a:rPr lang="en-US" smtClean="0"/>
-              <a:t>5/4/22</a:t>
+              <a:t>7/4/22</a:t>
             </a:fld>
             <a:endParaRPr lang="en-US"/>
           </a:p>
@@ -9544,7 +9544,7 @@
           <a:p>
             <a:fld id="{903E6B65-0E44-4B7F-9597-EA02CFAC016D}" type="datetime1">
               <a:rPr lang="en-US" smtClean="0"/>
-              <a:t>5/4/22</a:t>
+              <a:t>7/4/22</a:t>
             </a:fld>
             <a:endParaRPr lang="en-US"/>
           </a:p>
@@ -9824,7 +9824,7 @@
           <a:p>
             <a:fld id="{A6C26028-E5F2-45BF-995A-B79123FF4C00}" type="datetime1">
               <a:rPr lang="en-US" smtClean="0"/>
-              <a:t>5/4/22</a:t>
+              <a:t>7/4/22</a:t>
             </a:fld>
             <a:endParaRPr lang="en-US"/>
           </a:p>
@@ -11316,7 +11316,7 @@
           <a:p>
             <a:fld id="{C764DE79-268F-4C1A-8933-263129D2AF90}" type="datetimeFigureOut">
               <a:rPr lang="en-US" dirty="0"/>
-              <a:t>5/4/22</a:t>
+              <a:t>7/4/22</a:t>
             </a:fld>
             <a:endParaRPr lang="en-US" dirty="0"/>
           </a:p>
@@ -11776,19 +11776,6 @@
               <a:rPr lang="en-CA" sz="2207" dirty="0"/>
               <a:t>and depth in a learner corpus</a:t>
             </a:r>
-            <a:br>
-              <a:rPr lang="en-CA" sz="2207" dirty="0"/>
-            </a:br>
-            <a:br>
-              <a:rPr lang="en-CA" sz="2207" dirty="0"/>
-            </a:br>
-            <a:r>
-              <a:rPr lang="en-CA" sz="1182" dirty="0">
-                <a:latin typeface="Quattrocento Sans" panose="020B0502050000020003" pitchFamily="34" charset="0"/>
-                <a:hlinkClick r:id="rId3"/>
-              </a:rPr>
-              <a:t>github.com/ELI-Data-Mining-Group/Lexical_depth_Naismith_et_al_2020</a:t>
-            </a:r>
             <a:endParaRPr sz="1182" i="1" dirty="0">
               <a:latin typeface="Quattrocento Sans" panose="020B0502050000020003" pitchFamily="34" charset="0"/>
             </a:endParaRPr>
@@ -11809,8 +11796,8 @@
         </p:nvSpPr>
         <p:spPr>
           <a:xfrm>
-            <a:off x="3291277" y="3518595"/>
-            <a:ext cx="3204710" cy="1632242"/>
+            <a:off x="3304924" y="3641425"/>
+            <a:ext cx="3450717" cy="1389739"/>
           </a:xfrm>
           <a:prstGeom prst="rect">
             <a:avLst/>
@@ -12829,76 +12816,6 @@
       </p:grpSpPr>
       <p:sp>
         <p:nvSpPr>
-          <p:cNvPr id="9" name="Rectangle 8">
-            <a:extLst>
-              <a:ext uri="{FF2B5EF4-FFF2-40B4-BE49-F238E27FC236}">
-                <a16:creationId xmlns:a16="http://schemas.microsoft.com/office/drawing/2014/main" id="{C8F1A249-3CF8-9246-B6B3-43CA113B9313}"/>
-              </a:ext>
-            </a:extLst>
-          </p:cNvPr>
-          <p:cNvSpPr/>
-          <p:nvPr/>
-        </p:nvSpPr>
-        <p:spPr>
-          <a:xfrm>
-            <a:off x="1482762" y="3273434"/>
-            <a:ext cx="5145014" cy="1125180"/>
-          </a:xfrm>
-          <a:prstGeom prst="rect">
-            <a:avLst/>
-          </a:prstGeom>
-        </p:spPr>
-        <p:txBody>
-          <a:bodyPr wrap="square">
-            <a:spAutoFit/>
-          </a:bodyPr>
-          <a:lstStyle/>
-          <a:p>
-            <a:pPr algn="ctr"/>
-            <a:r>
-              <a:rPr lang="en-CA" sz="1678" dirty="0">
-                <a:solidFill>
-                  <a:srgbClr val="002D50"/>
-                </a:solidFill>
-                <a:latin typeface="Sackers Gothic Std"/>
-              </a:rPr>
-              <a:t>Dissertation</a:t>
-            </a:r>
-          </a:p>
-          <a:p>
-            <a:pPr algn="ctr"/>
-            <a:endParaRPr lang="en-CA" sz="1678" dirty="0">
-              <a:solidFill>
-                <a:srgbClr val="002D50"/>
-              </a:solidFill>
-              <a:latin typeface="Sackers Gothic Std"/>
-            </a:endParaRPr>
-          </a:p>
-          <a:p>
-            <a:pPr algn="ctr"/>
-            <a:r>
-              <a:rPr lang="en-CA" sz="1678" dirty="0">
-                <a:solidFill>
-                  <a:srgbClr val="002D50"/>
-                </a:solidFill>
-                <a:latin typeface="Sackers Gothic Std"/>
-              </a:rPr>
-              <a:t>(WAITING FOR LINK)</a:t>
-            </a:r>
-          </a:p>
-          <a:p>
-            <a:pPr algn="ctr"/>
-            <a:endParaRPr lang="en-CA" sz="1678" dirty="0">
-              <a:solidFill>
-                <a:srgbClr val="002D50"/>
-              </a:solidFill>
-              <a:latin typeface="Sackers Gothic Std"/>
-            </a:endParaRPr>
-          </a:p>
-        </p:txBody>
-      </p:sp>
-      <p:sp>
-        <p:nvSpPr>
           <p:cNvPr id="4" name="Rectangle 3">
             <a:extLst>
               <a:ext uri="{FF2B5EF4-FFF2-40B4-BE49-F238E27FC236}">
@@ -12945,6 +12862,36 @@
           </a:p>
         </p:txBody>
       </p:sp>
+      <p:pic>
+        <p:nvPicPr>
+          <p:cNvPr id="3" name="Picture 2" descr="Graphical user interface, text, application&#10;&#10;Description automatically generated">
+            <a:extLst>
+              <a:ext uri="{FF2B5EF4-FFF2-40B4-BE49-F238E27FC236}">
+                <a16:creationId xmlns:a16="http://schemas.microsoft.com/office/drawing/2014/main" id="{104ADE20-EDF4-45D0-59A8-A4D8B4CF2440}"/>
+              </a:ext>
+            </a:extLst>
+          </p:cNvPr>
+          <p:cNvPicPr>
+            <a:picLocks noChangeAspect="1"/>
+          </p:cNvPicPr>
+          <p:nvPr/>
+        </p:nvPicPr>
+        <p:blipFill>
+          <a:blip r:embed="rId3"/>
+          <a:stretch>
+            <a:fillRect/>
+          </a:stretch>
+        </p:blipFill>
+        <p:spPr>
+          <a:xfrm>
+            <a:off x="49651" y="1794618"/>
+            <a:ext cx="8011236" cy="2494064"/>
+          </a:xfrm>
+          <a:prstGeom prst="rect">
+            <a:avLst/>
+          </a:prstGeom>
+        </p:spPr>
+      </p:pic>
     </p:spTree>
     <p:extLst>
       <p:ext uri="{BB962C8B-B14F-4D97-AF65-F5344CB8AC3E}">
